--- a/Apresentação-Projeto.pptx
+++ b/Apresentação-Projeto.pptx
@@ -276,6 +276,7 @@
 <p1510:revInfo xmlns:a="http://schemas.openxmlformats.org/drawingml/2006/main" xmlns:r="http://schemas.openxmlformats.org/officeDocument/2006/relationships" xmlns:p1510="http://schemas.microsoft.com/office/powerpoint/2015/10/main">
   <p1510:revLst>
     <p1510:client id="{7E27CEBC-443F-70CF-577A-1118B59129CE}" v="62" dt="2024-11-27T12:34:56.489"/>
+    <p1510:client id="{820EA162-4432-2BB8-E92F-4C232D9C2560}" v="11" dt="2024-11-29T12:01:11.789"/>
   </p1510:revLst>
 </p1510:revInfo>
 </file>
@@ -24212,7 +24213,7 @@
         </p:blipFill>
         <p:spPr>
           <a:xfrm>
-            <a:off x="0" y="0"/>
+            <a:off x="11206" y="11206"/>
             <a:ext cx="12192000" cy="6858000"/>
           </a:xfrm>
           <a:prstGeom prst="rect">
@@ -27036,10 +27037,10 @@
       </p:sp>
       <p:pic>
         <p:nvPicPr>
-          <p:cNvPr id="2" name="Imagem 1" descr="Tabela&#10;&#10;Descrição gerada automaticamente">
+          <p:cNvPr id="3" name="Imagem 2" descr="Tabela&#10;&#10;Descrição gerada automaticamente">
             <a:extLst>
               <a:ext uri="{FF2B5EF4-FFF2-40B4-BE49-F238E27FC236}">
-                <a16:creationId xmlns:a16="http://schemas.microsoft.com/office/drawing/2014/main" id="{C1DF0125-E9A0-C6FD-F2F1-A907A28FEA5D}"/>
+                <a16:creationId xmlns:a16="http://schemas.microsoft.com/office/drawing/2014/main" id="{15AC2418-7C3A-24DE-B34E-E1480F01BF6B}"/>
               </a:ext>
             </a:extLst>
           </p:cNvPr>
@@ -27056,8 +27057,8 @@
         </p:blipFill>
         <p:spPr>
           <a:xfrm>
-            <a:off x="494270" y="2517728"/>
-            <a:ext cx="11203458" cy="1822543"/>
+            <a:off x="350108" y="2522735"/>
+            <a:ext cx="11502081" cy="1163799"/>
           </a:xfrm>
           <a:prstGeom prst="rect">
             <a:avLst/>
